--- a/Rapport/PowerPoint/ben-steve.pptx
+++ b/Rapport/PowerPoint/ben-steve.pptx
@@ -18,6 +18,8 @@
     <p:sldId id="268" r:id="rId12"/>
     <p:sldId id="269" r:id="rId13"/>
     <p:sldId id="270" r:id="rId14"/>
+    <p:sldId id="272" r:id="rId15"/>
+    <p:sldId id="273" r:id="rId16"/>
   </p:sldIdLst>
   <p:sldSz cx="9144000" cy="6858000" type="screen4x3"/>
   <p:notesSz cx="6858000" cy="9144000"/>
@@ -3339,7 +3341,6 @@
               <a:rPr lang="fr-FR" dirty="0" smtClean="0"/>
               <a:t>:</a:t>
             </a:r>
-            <a:endParaRPr lang="fr-FR" dirty="0" smtClean="0"/>
           </a:p>
         </p:txBody>
       </p:sp>
@@ -3352,7 +3353,7 @@
           <p:nvPr/>
         </p:nvPicPr>
         <p:blipFill>
-          <a:blip r:embed="rId3">
+          <a:blip r:embed="rId2">
             <a:extLst>
               <a:ext uri="{28A0092B-C50C-407E-A947-70E740481C1C}">
                 <a14:useLocalDpi xmlns:a14="http://schemas.microsoft.com/office/drawing/2010/main" val="0"/>
@@ -3513,7 +3514,7 @@
           <p:nvPr/>
         </p:nvPicPr>
         <p:blipFill>
-          <a:blip r:embed="rId3">
+          <a:blip r:embed="rId2">
             <a:extLst>
               <a:ext uri="{28A0092B-C50C-407E-A947-70E740481C1C}">
                 <a14:useLocalDpi xmlns:a14="http://schemas.microsoft.com/office/drawing/2010/main" val="0"/>
@@ -3661,7 +3662,7 @@
           <p:nvPr/>
         </p:nvPicPr>
         <p:blipFill>
-          <a:blip r:embed="rId3">
+          <a:blip r:embed="rId2">
             <a:extLst>
               <a:ext uri="{28A0092B-C50C-407E-A947-70E740481C1C}">
                 <a14:useLocalDpi xmlns:a14="http://schemas.microsoft.com/office/drawing/2010/main" val="0"/>
@@ -3702,7 +3703,7 @@
           <p:nvPr/>
         </p:nvPicPr>
         <p:blipFill>
-          <a:blip r:embed="rId4">
+          <a:blip r:embed="rId3">
             <a:extLst>
               <a:ext uri="{28A0092B-C50C-407E-A947-70E740481C1C}">
                 <a14:useLocalDpi xmlns:a14="http://schemas.microsoft.com/office/drawing/2010/main" val="0"/>
@@ -3827,16 +3828,13 @@
             </a:pPr>
             <a:r>
               <a:rPr lang="fr-FR" dirty="0" smtClean="0"/>
-              <a:t>	-Les </a:t>
-            </a:r>
-            <a:r>
-              <a:rPr lang="fr-FR" dirty="0"/>
-              <a:t>actions du déroulement de la </a:t>
-            </a:r>
-            <a:r>
-              <a:rPr lang="fr-FR" dirty="0" smtClean="0"/>
-              <a:t>partie.</a:t>
-            </a:r>
+              <a:t>	</a:t>
+            </a:r>
+            <a:r>
+              <a:rPr lang="fr-FR" dirty="0" smtClean="0"/>
+              <a:t>- Les cartes et les jetons</a:t>
+            </a:r>
+            <a:endParaRPr lang="fr-FR" dirty="0" smtClean="0"/>
           </a:p>
           <a:p>
             <a:pPr marL="137160" indent="0">
@@ -3844,26 +3842,353 @@
             </a:pPr>
             <a:endParaRPr lang="fr-FR" dirty="0"/>
           </a:p>
-          <a:p>
-            <a:pPr marL="137160" indent="0">
-              <a:buNone/>
-            </a:pPr>
-            <a:r>
-              <a:rPr lang="fr-FR" dirty="0" smtClean="0"/>
-              <a:t>A toi de remplir </a:t>
-            </a:r>
-            <a:r>
-              <a:rPr lang="fr-FR" dirty="0" err="1" smtClean="0"/>
-              <a:t>steve</a:t>
-            </a:r>
-            <a:endParaRPr lang="fr-FR" dirty="0"/>
-          </a:p>
-        </p:txBody>
-      </p:sp>
+        </p:txBody>
+      </p:sp>
+      <p:pic>
+        <p:nvPicPr>
+          <p:cNvPr id="4" name="Image 3"/>
+          <p:cNvPicPr/>
+          <p:nvPr/>
+        </p:nvPicPr>
+        <p:blipFill>
+          <a:blip r:embed="rId2">
+            <a:extLst>
+              <a:ext uri="{28A0092B-C50C-407E-A947-70E740481C1C}">
+                <a14:useLocalDpi xmlns:a14="http://schemas.microsoft.com/office/drawing/2010/main" val="0"/>
+              </a:ext>
+            </a:extLst>
+          </a:blip>
+          <a:srcRect/>
+          <a:stretch>
+            <a:fillRect/>
+          </a:stretch>
+        </p:blipFill>
+        <p:spPr bwMode="auto">
+          <a:xfrm>
+            <a:off x="1619672" y="2996952"/>
+            <a:ext cx="5688632" cy="3024336"/>
+          </a:xfrm>
+          <a:prstGeom prst="rect">
+            <a:avLst/>
+          </a:prstGeom>
+          <a:ln w="3175" cap="sq">
+            <a:solidFill>
+              <a:srgbClr val="000000"/>
+            </a:solidFill>
+            <a:miter lim="800000"/>
+          </a:ln>
+          <a:effectLst>
+            <a:outerShdw blurRad="57150" dist="50800" dir="2700000" algn="tl" rotWithShape="0">
+              <a:srgbClr val="000000">
+                <a:alpha val="40000"/>
+              </a:srgbClr>
+            </a:outerShdw>
+          </a:effectLst>
+        </p:spPr>
+      </p:pic>
     </p:spTree>
     <p:extLst>
       <p:ext uri="{BB962C8B-B14F-4D97-AF65-F5344CB8AC3E}">
         <p14:creationId xmlns:p14="http://schemas.microsoft.com/office/powerpoint/2010/main" val="1933465064"/>
+      </p:ext>
+    </p:extLst>
+  </p:cSld>
+  <p:clrMapOvr>
+    <a:masterClrMapping/>
+  </p:clrMapOvr>
+  <p:timing>
+    <p:tnLst>
+      <p:par>
+        <p:cTn id="1" dur="indefinite" restart="never" nodeType="tmRoot"/>
+      </p:par>
+    </p:tnLst>
+  </p:timing>
+</p:sld>
+</file>
+
+<file path=ppt/slides/slide14.xml><?xml version="1.0" encoding="utf-8"?>
+<p:sld xmlns:a="http://schemas.openxmlformats.org/drawingml/2006/main" xmlns:r="http://schemas.openxmlformats.org/officeDocument/2006/relationships" xmlns:p="http://schemas.openxmlformats.org/presentationml/2006/main">
+  <p:cSld>
+    <p:spTree>
+      <p:nvGrpSpPr>
+        <p:cNvPr id="1" name=""/>
+        <p:cNvGrpSpPr/>
+        <p:nvPr/>
+      </p:nvGrpSpPr>
+      <p:grpSpPr>
+        <a:xfrm>
+          <a:off x="0" y="0"/>
+          <a:ext cx="0" cy="0"/>
+          <a:chOff x="0" y="0"/>
+          <a:chExt cx="0" cy="0"/>
+        </a:xfrm>
+      </p:grpSpPr>
+      <p:sp>
+        <p:nvSpPr>
+          <p:cNvPr id="2" name="Titre 1"/>
+          <p:cNvSpPr>
+            <a:spLocks noGrp="1"/>
+          </p:cNvSpPr>
+          <p:nvPr>
+            <p:ph type="title"/>
+          </p:nvPr>
+        </p:nvSpPr>
+        <p:spPr/>
+        <p:txBody>
+          <a:bodyPr/>
+          <a:lstStyle/>
+          <a:p>
+            <a:r>
+              <a:rPr lang="fr-FR" dirty="0" smtClean="0"/>
+              <a:t>Fonctionnement global</a:t>
+            </a:r>
+            <a:endParaRPr lang="fr-FR" dirty="0"/>
+          </a:p>
+        </p:txBody>
+      </p:sp>
+      <p:sp>
+        <p:nvSpPr>
+          <p:cNvPr id="3" name="Espace réservé du contenu 2"/>
+          <p:cNvSpPr>
+            <a:spLocks noGrp="1"/>
+          </p:cNvSpPr>
+          <p:nvPr>
+            <p:ph idx="1"/>
+          </p:nvPr>
+        </p:nvSpPr>
+        <p:spPr/>
+        <p:txBody>
+          <a:bodyPr/>
+          <a:lstStyle/>
+          <a:p>
+            <a:pPr marL="137160" indent="0">
+              <a:buNone/>
+            </a:pPr>
+            <a:r>
+              <a:rPr lang="fr-FR" dirty="0"/>
+              <a:t>Déroulement d'une partie </a:t>
+            </a:r>
+            <a:r>
+              <a:rPr lang="fr-FR" dirty="0" smtClean="0"/>
+              <a:t>:</a:t>
+            </a:r>
+          </a:p>
+          <a:p>
+            <a:pPr marL="137160" indent="0">
+              <a:buNone/>
+            </a:pPr>
+            <a:r>
+              <a:rPr lang="fr-FR" dirty="0" smtClean="0"/>
+              <a:t>	</a:t>
+            </a:r>
+            <a:r>
+              <a:rPr lang="fr-FR" dirty="0" smtClean="0"/>
+              <a:t>- Le choix du joueur</a:t>
+            </a:r>
+          </a:p>
+          <a:p>
+            <a:pPr marL="137160" indent="0">
+              <a:buNone/>
+            </a:pPr>
+            <a:endParaRPr lang="fr-FR" dirty="0" smtClean="0"/>
+          </a:p>
+          <a:p>
+            <a:pPr marL="137160" indent="0">
+              <a:buNone/>
+            </a:pPr>
+            <a:endParaRPr lang="fr-FR" dirty="0"/>
+          </a:p>
+        </p:txBody>
+      </p:sp>
+      <p:pic>
+        <p:nvPicPr>
+          <p:cNvPr id="5" name="Image 4"/>
+          <p:cNvPicPr/>
+          <p:nvPr/>
+        </p:nvPicPr>
+        <p:blipFill>
+          <a:blip r:embed="rId2">
+            <a:extLst>
+              <a:ext uri="{28A0092B-C50C-407E-A947-70E740481C1C}">
+                <a14:useLocalDpi xmlns:a14="http://schemas.microsoft.com/office/drawing/2010/main" val="0"/>
+              </a:ext>
+            </a:extLst>
+          </a:blip>
+          <a:srcRect/>
+          <a:stretch>
+            <a:fillRect/>
+          </a:stretch>
+        </p:blipFill>
+        <p:spPr bwMode="auto">
+          <a:xfrm>
+            <a:off x="971600" y="2708920"/>
+            <a:ext cx="7344816" cy="3816424"/>
+          </a:xfrm>
+          <a:prstGeom prst="rect">
+            <a:avLst/>
+          </a:prstGeom>
+          <a:ln w="3175" cap="sq">
+            <a:solidFill>
+              <a:srgbClr val="000000"/>
+            </a:solidFill>
+            <a:miter lim="800000"/>
+          </a:ln>
+          <a:effectLst>
+            <a:outerShdw blurRad="57150" dist="50800" dir="2700000" algn="tl" rotWithShape="0">
+              <a:srgbClr val="000000">
+                <a:alpha val="40000"/>
+              </a:srgbClr>
+            </a:outerShdw>
+          </a:effectLst>
+        </p:spPr>
+      </p:pic>
+    </p:spTree>
+    <p:extLst>
+      <p:ext uri="{BB962C8B-B14F-4D97-AF65-F5344CB8AC3E}">
+        <p14:creationId xmlns:p14="http://schemas.microsoft.com/office/powerpoint/2010/main" val="363682129"/>
+      </p:ext>
+    </p:extLst>
+  </p:cSld>
+  <p:clrMapOvr>
+    <a:masterClrMapping/>
+  </p:clrMapOvr>
+  <p:timing>
+    <p:tnLst>
+      <p:par>
+        <p:cTn id="1" dur="indefinite" restart="never" nodeType="tmRoot"/>
+      </p:par>
+    </p:tnLst>
+  </p:timing>
+</p:sld>
+</file>
+
+<file path=ppt/slides/slide15.xml><?xml version="1.0" encoding="utf-8"?>
+<p:sld xmlns:a="http://schemas.openxmlformats.org/drawingml/2006/main" xmlns:r="http://schemas.openxmlformats.org/officeDocument/2006/relationships" xmlns:p="http://schemas.openxmlformats.org/presentationml/2006/main">
+  <p:cSld>
+    <p:spTree>
+      <p:nvGrpSpPr>
+        <p:cNvPr id="1" name=""/>
+        <p:cNvGrpSpPr/>
+        <p:nvPr/>
+      </p:nvGrpSpPr>
+      <p:grpSpPr>
+        <a:xfrm>
+          <a:off x="0" y="0"/>
+          <a:ext cx="0" cy="0"/>
+          <a:chOff x="0" y="0"/>
+          <a:chExt cx="0" cy="0"/>
+        </a:xfrm>
+      </p:grpSpPr>
+      <p:sp>
+        <p:nvSpPr>
+          <p:cNvPr id="2" name="Titre 1"/>
+          <p:cNvSpPr>
+            <a:spLocks noGrp="1"/>
+          </p:cNvSpPr>
+          <p:nvPr>
+            <p:ph type="title"/>
+          </p:nvPr>
+        </p:nvSpPr>
+        <p:spPr/>
+        <p:txBody>
+          <a:bodyPr/>
+          <a:lstStyle/>
+          <a:p>
+            <a:r>
+              <a:rPr lang="fr-FR" dirty="0" smtClean="0"/>
+              <a:t>Fonctionnement global</a:t>
+            </a:r>
+            <a:endParaRPr lang="fr-FR" dirty="0"/>
+          </a:p>
+        </p:txBody>
+      </p:sp>
+      <p:sp>
+        <p:nvSpPr>
+          <p:cNvPr id="3" name="Espace réservé du contenu 2"/>
+          <p:cNvSpPr>
+            <a:spLocks noGrp="1"/>
+          </p:cNvSpPr>
+          <p:nvPr>
+            <p:ph idx="1"/>
+          </p:nvPr>
+        </p:nvSpPr>
+        <p:spPr/>
+        <p:txBody>
+          <a:bodyPr/>
+          <a:lstStyle/>
+          <a:p>
+            <a:pPr marL="137160" indent="0">
+              <a:buNone/>
+            </a:pPr>
+            <a:r>
+              <a:rPr lang="fr-FR" dirty="0"/>
+              <a:t>Déroulement d'une partie </a:t>
+            </a:r>
+            <a:r>
+              <a:rPr lang="fr-FR" dirty="0" smtClean="0"/>
+              <a:t>:</a:t>
+            </a:r>
+          </a:p>
+          <a:p>
+            <a:pPr marL="137160" indent="0">
+              <a:buNone/>
+            </a:pPr>
+            <a:r>
+              <a:rPr lang="fr-FR" dirty="0" smtClean="0"/>
+              <a:t>	</a:t>
+            </a:r>
+            <a:r>
+              <a:rPr lang="fr-FR" dirty="0" smtClean="0"/>
+              <a:t>- Détermine qui est le gagnant</a:t>
+            </a:r>
+          </a:p>
+          <a:p>
+            <a:pPr marL="137160" indent="0">
+              <a:buNone/>
+            </a:pPr>
+            <a:r>
+              <a:rPr lang="fr-FR" dirty="0"/>
+              <a:t>	</a:t>
+            </a:r>
+            <a:r>
+              <a:rPr lang="fr-FR" dirty="0" smtClean="0"/>
+              <a:t>- Repartit les gains</a:t>
+            </a:r>
+          </a:p>
+          <a:p>
+            <a:pPr marL="137160" indent="0">
+              <a:buNone/>
+            </a:pPr>
+            <a:r>
+              <a:rPr lang="fr-FR" dirty="0"/>
+              <a:t>	</a:t>
+            </a:r>
+            <a:r>
+              <a:rPr lang="fr-FR" smtClean="0"/>
+              <a:t>- On </a:t>
+            </a:r>
+            <a:r>
+              <a:rPr lang="fr-FR" dirty="0" smtClean="0"/>
+              <a:t>recommence jusqu’à la fin </a:t>
+            </a:r>
+            <a:r>
+              <a:rPr lang="fr-FR" smtClean="0"/>
+              <a:t>du tournoi</a:t>
+            </a:r>
+            <a:endParaRPr lang="fr-FR" dirty="0" smtClean="0"/>
+          </a:p>
+          <a:p>
+            <a:pPr marL="137160" indent="0">
+              <a:buNone/>
+            </a:pPr>
+            <a:endParaRPr lang="fr-FR" dirty="0"/>
+          </a:p>
+        </p:txBody>
+      </p:sp>
+    </p:spTree>
+    <p:extLst>
+      <p:ext uri="{BB962C8B-B14F-4D97-AF65-F5344CB8AC3E}">
+        <p14:creationId xmlns:p14="http://schemas.microsoft.com/office/powerpoint/2010/main" val="4041184705"/>
       </p:ext>
     </p:extLst>
   </p:cSld>
@@ -3970,7 +4295,7 @@
           <p:nvPr/>
         </p:nvPicPr>
         <p:blipFill>
-          <a:blip r:embed="rId3">
+          <a:blip r:embed="rId2">
             <a:extLst>
               <a:ext uri="{28A0092B-C50C-407E-A947-70E740481C1C}">
                 <a14:useLocalDpi xmlns:a14="http://schemas.microsoft.com/office/drawing/2010/main" val="0"/>
@@ -4034,7 +4359,7 @@
           <p:nvPr/>
         </p:nvPicPr>
         <p:blipFill>
-          <a:blip r:embed="rId4">
+          <a:blip r:embed="rId3">
             <a:extLst>
               <a:ext uri="{28A0092B-C50C-407E-A947-70E740481C1C}">
                 <a14:useLocalDpi xmlns:a14="http://schemas.microsoft.com/office/drawing/2010/main" val="0"/>
@@ -4199,7 +4524,7 @@
           <p:nvPr/>
         </p:nvPicPr>
         <p:blipFill>
-          <a:blip r:embed="rId3">
+          <a:blip r:embed="rId2">
             <a:extLst>
               <a:ext uri="{28A0092B-C50C-407E-A947-70E740481C1C}">
                 <a14:useLocalDpi xmlns:a14="http://schemas.microsoft.com/office/drawing/2010/main" val="0"/>
@@ -4263,7 +4588,7 @@
           <p:nvPr/>
         </p:nvPicPr>
         <p:blipFill>
-          <a:blip r:embed="rId4" cstate="print">
+          <a:blip r:embed="rId3" cstate="print">
             <a:extLst>
               <a:ext uri="{28A0092B-C50C-407E-A947-70E740481C1C}">
                 <a14:useLocalDpi xmlns:a14="http://schemas.microsoft.com/office/drawing/2010/main" val="0"/>
@@ -4514,7 +4839,7 @@
           <p:nvPr/>
         </p:nvPicPr>
         <p:blipFill>
-          <a:blip r:embed="rId3">
+          <a:blip r:embed="rId2">
             <a:extLst>
               <a:ext uri="{28A0092B-C50C-407E-A947-70E740481C1C}">
                 <a14:useLocalDpi xmlns:a14="http://schemas.microsoft.com/office/drawing/2010/main" val="0"/>
@@ -4578,7 +4903,7 @@
           <p:nvPr/>
         </p:nvPicPr>
         <p:blipFill>
-          <a:blip r:embed="rId4">
+          <a:blip r:embed="rId3">
             <a:extLst>
               <a:ext uri="{28A0092B-C50C-407E-A947-70E740481C1C}">
                 <a14:useLocalDpi xmlns:a14="http://schemas.microsoft.com/office/drawing/2010/main" val="0"/>
@@ -4796,7 +5121,7 @@
           <p:nvPr/>
         </p:nvPicPr>
         <p:blipFill>
-          <a:blip r:embed="rId3">
+          <a:blip r:embed="rId2">
             <a:extLst>
               <a:ext uri="{28A0092B-C50C-407E-A947-70E740481C1C}">
                 <a14:useLocalDpi xmlns:a14="http://schemas.microsoft.com/office/drawing/2010/main" val="0"/>
@@ -4946,30 +5271,37 @@
             </a:pPr>
             <a:r>
               <a:rPr lang="fr-FR" dirty="0" smtClean="0"/>
-              <a:t>-</a:t>
-            </a:r>
-            <a:r>
-              <a:rPr lang="fr-FR" dirty="0" smtClean="0"/>
-              <a:t>Gestion du jeu</a:t>
-            </a:r>
-          </a:p>
-          <a:p>
-            <a:pPr marL="137160" indent="0">
-              <a:buNone/>
-            </a:pPr>
-            <a:endParaRPr lang="fr-FR" dirty="0"/>
-          </a:p>
-          <a:p>
-            <a:pPr marL="137160" indent="0">
-              <a:buNone/>
-            </a:pPr>
-            <a:r>
-              <a:rPr lang="fr-FR" dirty="0" smtClean="0"/>
-              <a:t>A toi de remplir </a:t>
+              <a:t>-Gestion du jeu</a:t>
+            </a:r>
+          </a:p>
+          <a:p>
+            <a:pPr marL="137160" indent="0">
+              <a:buNone/>
+            </a:pPr>
+            <a:r>
+              <a:rPr lang="fr-FR" dirty="0" smtClean="0"/>
+              <a:t>	- La classe Jeu (cartes)</a:t>
+            </a:r>
+          </a:p>
+          <a:p>
+            <a:pPr marL="137160" indent="0">
+              <a:buNone/>
+            </a:pPr>
+            <a:r>
+              <a:rPr lang="fr-FR" dirty="0"/>
+              <a:t>	</a:t>
+            </a:r>
+            <a:r>
+              <a:rPr lang="fr-FR" dirty="0" smtClean="0"/>
+              <a:t>- La classe </a:t>
             </a:r>
             <a:r>
               <a:rPr lang="fr-FR" dirty="0" err="1" smtClean="0"/>
-              <a:t>steve</a:t>
+              <a:t>PokerPartie</a:t>
+            </a:r>
+            <a:r>
+              <a:rPr lang="fr-FR" dirty="0" smtClean="0"/>
+              <a:t> (partie)</a:t>
             </a:r>
             <a:endParaRPr lang="fr-FR" dirty="0"/>
           </a:p>
@@ -5070,11 +5402,7 @@
             </a:pPr>
             <a:r>
               <a:rPr lang="fr-FR" dirty="0" smtClean="0"/>
-              <a:t>-Gestion Base de données</a:t>
-            </a:r>
-            <a:r>
-              <a:rPr lang="fr-FR" dirty="0" smtClean="0"/>
-              <a:t> :</a:t>
+              <a:t>-Gestion Base de données :</a:t>
             </a:r>
           </a:p>
           <a:p>
@@ -5228,7 +5556,7 @@
           <p:nvPr/>
         </p:nvPicPr>
         <p:blipFill>
-          <a:blip r:embed="rId3">
+          <a:blip r:embed="rId2">
             <a:extLst>
               <a:ext uri="{28A0092B-C50C-407E-A947-70E740481C1C}">
                 <a14:useLocalDpi xmlns:a14="http://schemas.microsoft.com/office/drawing/2010/main" val="0"/>
@@ -5441,17 +5769,12 @@
             </a:pPr>
             <a:r>
               <a:rPr lang="fr-FR" dirty="0"/>
-              <a:t>	</a:t>
-            </a:r>
-            <a:r>
-              <a:rPr lang="fr-FR" dirty="0"/>
-              <a:t> -Manuel </a:t>
+              <a:t>	 -Manuel </a:t>
             </a:r>
             <a:r>
               <a:rPr lang="fr-FR" dirty="0" smtClean="0"/>
               <a:t>utilisateur.</a:t>
             </a:r>
-            <a:endParaRPr lang="fr-FR" dirty="0" smtClean="0"/>
           </a:p>
         </p:txBody>
       </p:sp>
@@ -5464,7 +5787,7 @@
           <p:nvPr/>
         </p:nvPicPr>
         <p:blipFill>
-          <a:blip r:embed="rId3" cstate="print">
+          <a:blip r:embed="rId2" cstate="print">
             <a:extLst>
               <a:ext uri="{28A0092B-C50C-407E-A947-70E740481C1C}">
                 <a14:useLocalDpi xmlns:a14="http://schemas.microsoft.com/office/drawing/2010/main" val="0"/>

--- a/Rapport/PowerPoint/ben-steve.pptx
+++ b/Rapport/PowerPoint/ben-steve.pptx
@@ -232,7 +232,7 @@
           <a:p>
             <a:fld id="{4ADFC300-9B3E-435A-9723-7BE5F3691264}" type="datetimeFigureOut">
               <a:rPr lang="fr-FR" smtClean="0"/>
-              <a:t>03/05/2012</a:t>
+              <a:t>06/05/2012</a:t>
             </a:fld>
             <a:endParaRPr lang="fr-FR"/>
           </a:p>
@@ -458,7 +458,7 @@
           <a:p>
             <a:fld id="{4ADFC300-9B3E-435A-9723-7BE5F3691264}" type="datetimeFigureOut">
               <a:rPr lang="fr-FR" smtClean="0"/>
-              <a:t>03/05/2012</a:t>
+              <a:t>06/05/2012</a:t>
             </a:fld>
             <a:endParaRPr lang="fr-FR"/>
           </a:p>
@@ -633,7 +633,7 @@
           <a:p>
             <a:fld id="{4ADFC300-9B3E-435A-9723-7BE5F3691264}" type="datetimeFigureOut">
               <a:rPr lang="fr-FR" smtClean="0"/>
-              <a:t>03/05/2012</a:t>
+              <a:t>06/05/2012</a:t>
             </a:fld>
             <a:endParaRPr lang="fr-FR"/>
           </a:p>
@@ -798,7 +798,7 @@
           <a:p>
             <a:fld id="{4ADFC300-9B3E-435A-9723-7BE5F3691264}" type="datetimeFigureOut">
               <a:rPr lang="fr-FR" smtClean="0"/>
-              <a:t>03/05/2012</a:t>
+              <a:t>06/05/2012</a:t>
             </a:fld>
             <a:endParaRPr lang="fr-FR"/>
           </a:p>
@@ -1037,7 +1037,7 @@
           <a:p>
             <a:fld id="{4ADFC300-9B3E-435A-9723-7BE5F3691264}" type="datetimeFigureOut">
               <a:rPr lang="fr-FR" smtClean="0"/>
-              <a:t>03/05/2012</a:t>
+              <a:t>06/05/2012</a:t>
             </a:fld>
             <a:endParaRPr lang="fr-FR"/>
           </a:p>
@@ -1301,7 +1301,7 @@
           <a:p>
             <a:fld id="{4ADFC300-9B3E-435A-9723-7BE5F3691264}" type="datetimeFigureOut">
               <a:rPr lang="fr-FR" smtClean="0"/>
-              <a:t>03/05/2012</a:t>
+              <a:t>06/05/2012</a:t>
             </a:fld>
             <a:endParaRPr lang="fr-FR"/>
           </a:p>
@@ -1675,7 +1675,7 @@
           <a:p>
             <a:fld id="{4ADFC300-9B3E-435A-9723-7BE5F3691264}" type="datetimeFigureOut">
               <a:rPr lang="fr-FR" smtClean="0"/>
-              <a:t>03/05/2012</a:t>
+              <a:t>06/05/2012</a:t>
             </a:fld>
             <a:endParaRPr lang="fr-FR"/>
           </a:p>
@@ -1788,7 +1788,7 @@
           <a:p>
             <a:fld id="{4ADFC300-9B3E-435A-9723-7BE5F3691264}" type="datetimeFigureOut">
               <a:rPr lang="fr-FR" smtClean="0"/>
-              <a:t>03/05/2012</a:t>
+              <a:t>06/05/2012</a:t>
             </a:fld>
             <a:endParaRPr lang="fr-FR"/>
           </a:p>
@@ -1878,7 +1878,7 @@
           <a:p>
             <a:fld id="{4ADFC300-9B3E-435A-9723-7BE5F3691264}" type="datetimeFigureOut">
               <a:rPr lang="fr-FR" smtClean="0"/>
-              <a:t>03/05/2012</a:t>
+              <a:t>06/05/2012</a:t>
             </a:fld>
             <a:endParaRPr lang="fr-FR"/>
           </a:p>
@@ -2136,7 +2136,7 @@
           <a:p>
             <a:fld id="{4ADFC300-9B3E-435A-9723-7BE5F3691264}" type="datetimeFigureOut">
               <a:rPr lang="fr-FR" smtClean="0"/>
-              <a:t>03/05/2012</a:t>
+              <a:t>06/05/2012</a:t>
             </a:fld>
             <a:endParaRPr lang="fr-FR"/>
           </a:p>
@@ -2400,7 +2400,7 @@
           <a:p>
             <a:fld id="{4ADFC300-9B3E-435A-9723-7BE5F3691264}" type="datetimeFigureOut">
               <a:rPr lang="fr-FR" smtClean="0"/>
-              <a:t>03/05/2012</a:t>
+              <a:t>06/05/2012</a:t>
             </a:fld>
             <a:endParaRPr lang="fr-FR"/>
           </a:p>
@@ -2617,7 +2617,7 @@
           <a:p>
             <a:fld id="{4ADFC300-9B3E-435A-9723-7BE5F3691264}" type="datetimeFigureOut">
               <a:rPr lang="fr-FR" smtClean="0"/>
-              <a:t>03/05/2012</a:t>
+              <a:t>06/05/2012</a:t>
             </a:fld>
             <a:endParaRPr lang="fr-FR"/>
           </a:p>
@@ -3828,13 +3828,8 @@
             </a:pPr>
             <a:r>
               <a:rPr lang="fr-FR" dirty="0" smtClean="0"/>
-              <a:t>	</a:t>
-            </a:r>
-            <a:r>
-              <a:rPr lang="fr-FR" dirty="0" smtClean="0"/>
-              <a:t>- Les cartes et les jetons</a:t>
-            </a:r>
-            <a:endParaRPr lang="fr-FR" dirty="0" smtClean="0"/>
+              <a:t>	- Les cartes et les jetons</a:t>
+            </a:r>
           </a:p>
           <a:p>
             <a:pPr marL="137160" indent="0">
@@ -3979,11 +3974,7 @@
             </a:pPr>
             <a:r>
               <a:rPr lang="fr-FR" dirty="0" smtClean="0"/>
-              <a:t>	</a:t>
-            </a:r>
-            <a:r>
-              <a:rPr lang="fr-FR" dirty="0" smtClean="0"/>
-              <a:t>- Le choix du joueur</a:t>
+              <a:t>	- Le choix du joueur</a:t>
             </a:r>
           </a:p>
           <a:p>
@@ -4135,11 +4126,7 @@
             </a:pPr>
             <a:r>
               <a:rPr lang="fr-FR" dirty="0" smtClean="0"/>
-              <a:t>	</a:t>
-            </a:r>
-            <a:r>
-              <a:rPr lang="fr-FR" dirty="0" smtClean="0"/>
-              <a:t>- Détermine qui est le gagnant</a:t>
+              <a:t>	- Détermine qui est le gagnant</a:t>
             </a:r>
           </a:p>
           <a:p>
@@ -4896,7 +4883,7 @@
       </p:pic>
       <p:pic>
         <p:nvPicPr>
-          <p:cNvPr id="4100" name="Picture 4"/>
+          <p:cNvPr id="1026" name="Picture 2" descr="D:\projet-poker\uml\imagenoSQL.png"/>
           <p:cNvPicPr>
             <a:picLocks noChangeAspect="1" noChangeArrowheads="1"/>
           </p:cNvPicPr>
@@ -4917,43 +4904,20 @@
         </p:blipFill>
         <p:spPr bwMode="auto">
           <a:xfrm>
-            <a:off x="6005033" y="2924944"/>
-            <a:ext cx="2046941" cy="1663824"/>
+            <a:off x="5868143" y="2924944"/>
+            <a:ext cx="2555825" cy="2077676"/>
           </a:xfrm>
           <a:prstGeom prst="rect">
             <a:avLst/>
           </a:prstGeom>
           <a:noFill/>
-          <a:ln>
-            <a:noFill/>
-          </a:ln>
-          <a:effectLst/>
           <a:extLst>
             <a:ext uri="{909E8E84-426E-40DD-AFC4-6F175D3DCCD1}">
               <a14:hiddenFill xmlns:a14="http://schemas.microsoft.com/office/drawing/2010/main">
                 <a:solidFill>
-                  <a:schemeClr val="accent1"/>
+                  <a:srgbClr val="FFFFFF"/>
                 </a:solidFill>
               </a14:hiddenFill>
-            </a:ext>
-            <a:ext uri="{91240B29-F687-4F45-9708-019B960494DF}">
-              <a14:hiddenLine xmlns:a14="http://schemas.microsoft.com/office/drawing/2010/main" w="9525">
-                <a:solidFill>
-                  <a:schemeClr val="tx1"/>
-                </a:solidFill>
-                <a:miter lim="800000"/>
-                <a:headEnd/>
-                <a:tailEnd/>
-              </a14:hiddenLine>
-            </a:ext>
-            <a:ext uri="{AF507438-7753-43E0-B8FC-AC1667EBCBE1}">
-              <a14:hiddenEffects xmlns:a14="http://schemas.microsoft.com/office/drawing/2010/main">
-                <a:effectLst>
-                  <a:outerShdw dist="35921" dir="2700000" algn="ctr" rotWithShape="0">
-                    <a:schemeClr val="bg2"/>
-                  </a:outerShdw>
-                </a:effectLst>
-              </a14:hiddenEffects>
             </a:ext>
           </a:extLst>
         </p:spPr>
